--- a/C++资料包/binary_tree/binary_tree.pptx
+++ b/C++资料包/binary_tree/binary_tree.pptx
@@ -12087,16 +12087,6 @@
           <a:p>
             <a:pPr algn="ctr" eaLnBrk="1" hangingPunct="1"/>
             <a:r>
-              <a:rPr lang="en-US" altLang="zh-CN" sz="3600" b="1" dirty="0" smtClean="0">
-                <a:solidFill>
-                  <a:srgbClr val="CC3300"/>
-                </a:solidFill>
-                <a:latin typeface="华文新魏" pitchFamily="2" charset="-122"/>
-                <a:ea typeface="华文新魏" pitchFamily="2" charset="-122"/>
-              </a:rPr>
-              <a:t>5.4.1 </a:t>
-            </a:r>
-            <a:r>
               <a:rPr lang="zh-CN" altLang="en-US" sz="3600" b="1" dirty="0" smtClean="0">
                 <a:solidFill>
                   <a:schemeClr val="tx2"/>
